--- a/Apresentacao/SIRS-A-28.pptx
+++ b/Apresentacao/SIRS-A-28.pptx
@@ -15332,11 +15332,7 @@
           <a:p>
             <a:r>
               <a:rPr lang="en-US" dirty="0" smtClean="0"/>
-              <a:t>	 Security </a:t>
-            </a:r>
-            <a:r>
-              <a:rPr lang="en-US" dirty="0" smtClean="0"/>
-              <a:t>Implementations(1/4)</a:t>
+              <a:t>	 Security Implementations(1/4)</a:t>
             </a:r>
             <a:endParaRPr lang="en-US" dirty="0"/>
           </a:p>
@@ -15470,11 +15466,7 @@
           <a:p>
             <a:r>
               <a:rPr lang="en-US" dirty="0" smtClean="0"/>
-              <a:t>	Security </a:t>
-            </a:r>
-            <a:r>
-              <a:rPr lang="en-US" dirty="0" smtClean="0"/>
-              <a:t>Implementations(2/4</a:t>
+              <a:t>	Security Implementations(2/4</a:t>
             </a:r>
             <a:r>
               <a:rPr lang="en-US" dirty="0"/>
@@ -16005,11 +15997,7 @@
           <a:p>
             <a:r>
               <a:rPr lang="en-US" dirty="0" smtClean="0"/>
-              <a:t>	Security </a:t>
-            </a:r>
-            <a:r>
-              <a:rPr lang="en-US" dirty="0" smtClean="0"/>
-              <a:t>Implementations(3/4</a:t>
+              <a:t>	Security Implementations(3/4</a:t>
             </a:r>
             <a:r>
               <a:rPr lang="en-US" dirty="0"/>
@@ -16115,9 +16103,11 @@
           <a:lstStyle/>
           <a:p>
             <a:r>
-              <a:rPr lang="en-US" smtClean="0"/>
+              <a:rPr lang="en-US" sz="2900" dirty="0" smtClean="0"/>
               <a:t>Permissions</a:t>
             </a:r>
+          </a:p>
+          <a:p>
             <a:endParaRPr lang="en-US" dirty="0" smtClean="0"/>
           </a:p>
           <a:p>
@@ -16320,11 +16310,7 @@
           <a:p>
             <a:r>
               <a:rPr lang="en-US" dirty="0" smtClean="0"/>
-              <a:t>	Security </a:t>
-            </a:r>
-            <a:r>
-              <a:rPr lang="en-US" dirty="0" smtClean="0"/>
-              <a:t>Implementations(4/4</a:t>
+              <a:t>	Security Implementations(4/4</a:t>
             </a:r>
             <a:r>
               <a:rPr lang="en-US" dirty="0"/>
@@ -16704,11 +16690,7 @@
           <a:p>
             <a:r>
               <a:rPr lang="en-US" dirty="0" smtClean="0"/>
-              <a:t>	Attack </a:t>
-            </a:r>
-            <a:r>
-              <a:rPr lang="en-US" dirty="0" smtClean="0"/>
-              <a:t>Resistance/Weak Points</a:t>
+              <a:t>	Attack Resistance/Weak Points</a:t>
             </a:r>
             <a:endParaRPr lang="en-US" dirty="0"/>
           </a:p>

--- a/Apresentacao/SIRS-A-28.pptx
+++ b/Apresentacao/SIRS-A-28.pptx
@@ -15275,7 +15275,15 @@
             <a:pPr lvl="1"/>
             <a:r>
               <a:rPr lang="en-US" dirty="0" smtClean="0"/>
-              <a:t>White spaces are not allowed neither sequences like “QUERTY”;</a:t>
+              <a:t>White spaces are not allowed neither sequences like “</a:t>
+            </a:r>
+            <a:r>
+              <a:rPr lang="en-US" dirty="0" smtClean="0"/>
+              <a:t>QWERTY</a:t>
+            </a:r>
+            <a:r>
+              <a:rPr lang="en-US" dirty="0" smtClean="0"/>
+              <a:t>”;</a:t>
             </a:r>
           </a:p>
           <a:p>
